--- a/Reference materials/Advanced JAVA/1 Java IO streams.pptx
+++ b/Reference materials/Advanced JAVA/1 Java IO streams.pptx
@@ -219,7 +219,7 @@
           <a:p>
             <a:fld id="{CBDFB359-B0C7-4C2A-B5E6-DC0AAC7DC740}" type="datetimeFigureOut">
               <a:rPr lang="en-IN" smtClean="0"/>
-              <a:t>21-04-2021</a:t>
+              <a:t>05-05-2021</a:t>
             </a:fld>
             <a:endParaRPr lang="en-IN"/>
           </a:p>
@@ -681,7 +681,7 @@
             <a:fld id="{1D8BD707-D9CF-40AE-B4C6-C98DA3205C09}" type="datetimeFigureOut">
               <a:rPr lang="en-US" smtClean="0"/>
               <a:pPr/>
-              <a:t>4/21/2021</a:t>
+              <a:t>5/5/2021</a:t>
             </a:fld>
             <a:endParaRPr lang="en-US"/>
           </a:p>
@@ -1034,7 +1034,7 @@
             <a:fld id="{1D8BD707-D9CF-40AE-B4C6-C98DA3205C09}" type="datetimeFigureOut">
               <a:rPr lang="en-US" smtClean="0"/>
               <a:pPr/>
-              <a:t>4/21/2021</a:t>
+              <a:t>5/5/2021</a:t>
             </a:fld>
             <a:endParaRPr lang="en-US"/>
           </a:p>
@@ -1210,7 +1210,7 @@
             <a:fld id="{1D8BD707-D9CF-40AE-B4C6-C98DA3205C09}" type="datetimeFigureOut">
               <a:rPr lang="en-US" smtClean="0"/>
               <a:pPr/>
-              <a:t>4/21/2021</a:t>
+              <a:t>5/5/2021</a:t>
             </a:fld>
             <a:endParaRPr lang="en-US"/>
           </a:p>
@@ -1324,7 +1324,7 @@
             <a:fld id="{1D8BD707-D9CF-40AE-B4C6-C98DA3205C09}" type="datetimeFigureOut">
               <a:rPr lang="en-US" smtClean="0"/>
               <a:pPr/>
-              <a:t>4/21/2021</a:t>
+              <a:t>5/5/2021</a:t>
             </a:fld>
             <a:endParaRPr lang="en-US"/>
           </a:p>
@@ -1683,7 +1683,7 @@
             <a:fld id="{1D8BD707-D9CF-40AE-B4C6-C98DA3205C09}" type="datetimeFigureOut">
               <a:rPr lang="en-US" smtClean="0"/>
               <a:pPr/>
-              <a:t>4/21/2021</a:t>
+              <a:t>5/5/2021</a:t>
             </a:fld>
             <a:endParaRPr lang="en-US"/>
           </a:p>
@@ -1949,7 +1949,7 @@
             <a:fld id="{1D8BD707-D9CF-40AE-B4C6-C98DA3205C09}" type="datetimeFigureOut">
               <a:rPr lang="en-US" smtClean="0"/>
               <a:pPr/>
-              <a:t>4/21/2021</a:t>
+              <a:t>5/5/2021</a:t>
             </a:fld>
             <a:endParaRPr lang="en-US"/>
           </a:p>
@@ -2312,7 +2312,7 @@
             <a:fld id="{1D8BD707-D9CF-40AE-B4C6-C98DA3205C09}" type="datetimeFigureOut">
               <a:rPr lang="en-US" smtClean="0"/>
               <a:pPr/>
-              <a:t>4/21/2021</a:t>
+              <a:t>5/5/2021</a:t>
             </a:fld>
             <a:endParaRPr lang="en-US"/>
           </a:p>
@@ -2540,7 +2540,7 @@
             <a:fld id="{1D8BD707-D9CF-40AE-B4C6-C98DA3205C09}" type="datetimeFigureOut">
               <a:rPr lang="en-US" smtClean="0"/>
               <a:pPr/>
-              <a:t>4/21/2021</a:t>
+              <a:t>5/5/2021</a:t>
             </a:fld>
             <a:endParaRPr lang="en-US"/>
           </a:p>
@@ -2632,7 +2632,7 @@
             <a:fld id="{1D8BD707-D9CF-40AE-B4C6-C98DA3205C09}" type="datetimeFigureOut">
               <a:rPr lang="en-US" smtClean="0"/>
               <a:pPr/>
-              <a:t>4/21/2021</a:t>
+              <a:t>5/5/2021</a:t>
             </a:fld>
             <a:endParaRPr lang="en-US"/>
           </a:p>
@@ -2900,7 +2900,7 @@
             <a:fld id="{1D8BD707-D9CF-40AE-B4C6-C98DA3205C09}" type="datetimeFigureOut">
               <a:rPr lang="en-US" smtClean="0"/>
               <a:pPr/>
-              <a:t>4/21/2021</a:t>
+              <a:t>5/5/2021</a:t>
             </a:fld>
             <a:endParaRPr lang="en-US"/>
           </a:p>
@@ -3129,7 +3129,7 @@
             <a:fld id="{1D8BD707-D9CF-40AE-B4C6-C98DA3205C09}" type="datetimeFigureOut">
               <a:rPr lang="en-US" smtClean="0"/>
               <a:pPr/>
-              <a:t>4/21/2021</a:t>
+              <a:t>5/5/2021</a:t>
             </a:fld>
             <a:endParaRPr lang="en-US"/>
           </a:p>
@@ -3628,7 +3628,7 @@
             <a:fld id="{1D8BD707-D9CF-40AE-B4C6-C98DA3205C09}" type="datetimeFigureOut">
               <a:rPr lang="en-US" smtClean="0"/>
               <a:pPr/>
-              <a:t>4/21/2021</a:t>
+              <a:t>5/5/2021</a:t>
             </a:fld>
             <a:endParaRPr lang="en-US"/>
           </a:p>
@@ -5148,7 +5148,12 @@
             <p:ph type="title"/>
           </p:nvPr>
         </p:nvSpPr>
-        <p:spPr/>
+        <p:spPr>
+          <a:xfrm>
+            <a:off x="228600" y="304800"/>
+            <a:ext cx="7772400" cy="1143000"/>
+          </a:xfrm>
+        </p:spPr>
         <p:txBody>
           <a:bodyPr/>
           <a:lstStyle/>
@@ -5170,7 +5175,12 @@
             <p:ph sz="quarter" idx="1"/>
           </p:nvPr>
         </p:nvSpPr>
-        <p:spPr/>
+        <p:spPr>
+          <a:xfrm>
+            <a:off x="76200" y="1447800"/>
+            <a:ext cx="8610600" cy="4572000"/>
+          </a:xfrm>
+        </p:spPr>
         <p:txBody>
           <a:bodyPr>
             <a:normAutofit/>
@@ -5276,7 +5286,12 @@
             <p:ph type="title"/>
           </p:nvPr>
         </p:nvSpPr>
-        <p:spPr/>
+        <p:spPr>
+          <a:xfrm>
+            <a:off x="182879" y="228600"/>
+            <a:ext cx="7772400" cy="1143000"/>
+          </a:xfrm>
+        </p:spPr>
         <p:txBody>
           <a:bodyPr/>
           <a:lstStyle/>
@@ -5293,25 +5308,6 @@
               <a:rPr lang="en-IN" dirty="0"/>
               <a:t> classes</a:t>
             </a:r>
-          </a:p>
-        </p:txBody>
-      </p:sp>
-      <p:sp>
-        <p:nvSpPr>
-          <p:cNvPr id="3" name="Content Placeholder 2"/>
-          <p:cNvSpPr>
-            <a:spLocks noGrp="1"/>
-          </p:cNvSpPr>
-          <p:nvPr>
-            <p:ph sz="quarter" idx="1"/>
-          </p:nvPr>
-        </p:nvSpPr>
-        <p:spPr/>
-        <p:txBody>
-          <a:bodyPr/>
-          <a:lstStyle/>
-          <a:p>
-            <a:endParaRPr lang="en-IN"/>
           </a:p>
         </p:txBody>
       </p:sp>
@@ -5331,7 +5327,7 @@
         </p:blipFill>
         <p:spPr>
           <a:xfrm>
-            <a:off x="914400" y="1417638"/>
+            <a:off x="228600" y="1371600"/>
             <a:ext cx="7772400" cy="2659062"/>
           </a:xfrm>
           <a:prstGeom prst="rect">
@@ -5355,8 +5351,8 @@
         </p:blipFill>
         <p:spPr>
           <a:xfrm>
-            <a:off x="914400" y="4076700"/>
-            <a:ext cx="7772400" cy="2628900"/>
+            <a:off x="152399" y="3954462"/>
+            <a:ext cx="8133799" cy="2751138"/>
           </a:xfrm>
           <a:prstGeom prst="rect">
             <a:avLst/>
@@ -5403,7 +5399,12 @@
             <p:ph type="title"/>
           </p:nvPr>
         </p:nvSpPr>
-        <p:spPr/>
+        <p:spPr>
+          <a:xfrm>
+            <a:off x="172720" y="457200"/>
+            <a:ext cx="7772400" cy="1143000"/>
+          </a:xfrm>
+        </p:spPr>
         <p:txBody>
           <a:bodyPr/>
           <a:lstStyle/>
@@ -5420,25 +5421,6 @@
               <a:rPr lang="en-IN" dirty="0"/>
               <a:t> interfaces</a:t>
             </a:r>
-          </a:p>
-        </p:txBody>
-      </p:sp>
-      <p:sp>
-        <p:nvSpPr>
-          <p:cNvPr id="3" name="Content Placeholder 2"/>
-          <p:cNvSpPr>
-            <a:spLocks noGrp="1"/>
-          </p:cNvSpPr>
-          <p:nvPr>
-            <p:ph sz="quarter" idx="1"/>
-          </p:nvPr>
-        </p:nvSpPr>
-        <p:spPr/>
-        <p:txBody>
-          <a:bodyPr/>
-          <a:lstStyle/>
-          <a:p>
-            <a:endParaRPr lang="en-IN"/>
           </a:p>
         </p:txBody>
       </p:sp>
@@ -5458,8 +5440,8 @@
         </p:blipFill>
         <p:spPr>
           <a:xfrm>
-            <a:off x="917712" y="1524000"/>
-            <a:ext cx="7769087" cy="1752600"/>
+            <a:off x="152400" y="1524000"/>
+            <a:ext cx="8534399" cy="1925244"/>
           </a:xfrm>
           <a:prstGeom prst="rect">
             <a:avLst/>
